--- a/Sensitivity analysis/Sensitivity analysis_structure.pptx
+++ b/Sensitivity analysis/Sensitivity analysis_structure.pptx
@@ -19254,7 +19254,7 @@
             </a:pPr>
             <a:r>
               <a:rPr lang="nl-NL" sz="3600" dirty="0"/>
-              <a:t>OWSA structure</a:t>
+              <a:t>Sensitivity analysis structure</a:t>
             </a:r>
             <a:endParaRPr sz="3600" dirty="0"/>
           </a:p>
@@ -19380,67 +19380,77 @@
           <a:bodyPr/>
           <a:lstStyle/>
           <a:p>
-            <a:endParaRPr lang="en-US" sz="2000" dirty="0"/>
-          </a:p>
-          <a:p>
-            <a:endParaRPr lang="en-US" sz="2000" dirty="0"/>
-          </a:p>
-          <a:p>
             <a:r>
-              <a:rPr lang="en-US" sz="2000" dirty="0"/>
-              <a:t>Create list of parameters with their </a:t>
-            </a:r>
-            <a:r>
-              <a:rPr lang="en-US" sz="2000" dirty="0" err="1"/>
-              <a:t>basecase</a:t>
-            </a:r>
-            <a:r>
-              <a:rPr lang="en-US" sz="2000" dirty="0"/>
-              <a:t> values:</a:t>
+              <a:rPr lang="en-US" sz="2400" dirty="0"/>
+              <a:t>Create list of parameters with their base-case values:</a:t>
             </a:r>
           </a:p>
           <a:p>
             <a:pPr lvl="1"/>
             <a:r>
-              <a:rPr lang="en-US" sz="1800" dirty="0" err="1"/>
+              <a:rPr lang="en-US" dirty="0" err="1"/>
               <a:t>l_params_all</a:t>
             </a:r>
             <a:r>
-              <a:rPr lang="en-US" sz="1800" dirty="0"/>
-              <a:t> &lt;- list{}</a:t>
+              <a:rPr lang="en-US" dirty="0"/>
+              <a:t> &lt;- </a:t>
+            </a:r>
+            <a:r>
+              <a:rPr lang="en-US" dirty="0">
+                <a:solidFill>
+                  <a:srgbClr val="0070C0"/>
+                </a:solidFill>
+              </a:rPr>
+              <a:t>list</a:t>
+            </a:r>
+            <a:r>
+              <a:rPr lang="en-US" dirty="0"/>
+              <a:t>()</a:t>
             </a:r>
           </a:p>
           <a:p>
             <a:pPr lvl="1"/>
-            <a:endParaRPr lang="en-US" sz="1800" dirty="0"/>
+            <a:endParaRPr lang="en-US" dirty="0"/>
           </a:p>
           <a:p>
             <a:pPr lvl="1"/>
-            <a:endParaRPr lang="en-US" sz="1800" dirty="0"/>
+            <a:endParaRPr lang="en-US" dirty="0"/>
           </a:p>
           <a:p>
             <a:r>
-              <a:rPr lang="en-US" sz="2000" dirty="0"/>
+              <a:rPr lang="en-US" sz="2400" dirty="0"/>
               <a:t>Wrap decision model in function :</a:t>
             </a:r>
           </a:p>
           <a:p>
             <a:pPr lvl="1"/>
             <a:r>
-              <a:rPr lang="en-US" sz="1800" dirty="0" err="1"/>
+              <a:rPr lang="en-US" dirty="0" err="1"/>
               <a:t>calculate_ce_out</a:t>
             </a:r>
             <a:r>
-              <a:rPr lang="en-US" sz="1800" dirty="0"/>
+              <a:rPr lang="en-US" dirty="0"/>
+              <a:t>&lt;- </a:t>
+            </a:r>
+            <a:r>
+              <a:rPr lang="en-US" dirty="0">
+                <a:solidFill>
+                  <a:srgbClr val="0070C0"/>
+                </a:solidFill>
+              </a:rPr>
+              <a:t>function</a:t>
+            </a:r>
+            <a:r>
+              <a:rPr lang="en-US" dirty="0"/>
               <a:t>(</a:t>
             </a:r>
             <a:r>
-              <a:rPr lang="en-US" sz="1800" i="1" dirty="0"/>
+              <a:rPr lang="en-US" i="1" dirty="0"/>
               <a:t>params</a:t>
             </a:r>
             <a:r>
-              <a:rPr lang="en-US" sz="1800" dirty="0"/>
-              <a:t>) &lt;- function{</a:t>
+              <a:rPr lang="en-US" dirty="0"/>
+              <a:t>) {</a:t>
             </a:r>
           </a:p>
           <a:p>
@@ -19448,8 +19458,20 @@
               <a:buNone/>
             </a:pPr>
             <a:r>
-              <a:rPr lang="en-US" sz="1600" dirty="0"/>
-              <a:t>	with(params){</a:t>
+              <a:rPr lang="en-US" dirty="0"/>
+              <a:t>	</a:t>
+            </a:r>
+            <a:r>
+              <a:rPr lang="en-US" dirty="0">
+                <a:solidFill>
+                  <a:srgbClr val="0070C0"/>
+                </a:solidFill>
+              </a:rPr>
+              <a:t>with</a:t>
+            </a:r>
+            <a:r>
+              <a:rPr lang="en-US" dirty="0"/>
+              <a:t>(params){</a:t>
             </a:r>
           </a:p>
           <a:p>
@@ -19457,35 +19479,35 @@
               <a:buNone/>
             </a:pPr>
             <a:r>
-              <a:rPr lang="en-US" sz="1600" dirty="0"/>
+              <a:rPr lang="en-US" dirty="0"/>
               <a:t>		</a:t>
             </a:r>
             <a:r>
-              <a:rPr lang="en-US" sz="1600" dirty="0" err="1"/>
+              <a:rPr lang="en-US" dirty="0" err="1"/>
               <a:t>model.run</a:t>
             </a:r>
-            <a:endParaRPr lang="en-US" sz="1600" dirty="0"/>
+            <a:endParaRPr lang="en-US" dirty="0"/>
           </a:p>
           <a:p>
             <a:pPr marL="1028700" lvl="2" indent="0">
               <a:buNone/>
             </a:pPr>
             <a:r>
-              <a:rPr lang="en-US" sz="1600" dirty="0"/>
+              <a:rPr lang="en-US" dirty="0"/>
               <a:t>		</a:t>
             </a:r>
             <a:r>
-              <a:rPr lang="en-US" sz="1600" dirty="0" err="1"/>
+              <a:rPr lang="en-US" dirty="0" err="1"/>
               <a:t>model.output</a:t>
             </a:r>
-            <a:endParaRPr lang="en-US" sz="1600" dirty="0"/>
+            <a:endParaRPr lang="en-US" dirty="0"/>
           </a:p>
           <a:p>
             <a:pPr marL="1028700" lvl="2" indent="0">
               <a:buNone/>
             </a:pPr>
             <a:r>
-              <a:rPr lang="en-US" sz="1600" dirty="0"/>
+              <a:rPr lang="en-US" dirty="0"/>
               <a:t>	}</a:t>
             </a:r>
           </a:p>
@@ -19494,13 +19516,13 @@
               <a:buNone/>
             </a:pPr>
             <a:r>
-              <a:rPr lang="en-US" sz="1600" dirty="0"/>
+              <a:rPr lang="en-US" dirty="0"/>
               <a:t>}</a:t>
             </a:r>
           </a:p>
           <a:p>
             <a:pPr lvl="2"/>
-            <a:endParaRPr lang="en-US" sz="1600" dirty="0"/>
+            <a:endParaRPr lang="en-US" dirty="0"/>
           </a:p>
         </p:txBody>
       </p:sp>
@@ -19594,7 +19616,7 @@
           <a:lstStyle/>
           <a:p>
             <a:r>
-              <a:rPr lang="pt-BR" sz="1800" dirty="0"/>
+              <a:rPr lang="pt-BR" sz="2400" dirty="0"/>
               <a:t>Create data frame with parameter limits for the parameters to apply OWSA</a:t>
             </a:r>
           </a:p>
@@ -19603,7 +19625,16 @@
               <a:buNone/>
             </a:pPr>
             <a:r>
-              <a:rPr lang="pt-BR" sz="1800" dirty="0"/>
+              <a:rPr lang="pt-BR" sz="2000" dirty="0"/>
+              <a:t>	</a:t>
+            </a:r>
+          </a:p>
+          <a:p>
+            <a:pPr marL="88900" indent="0">
+              <a:buNone/>
+            </a:pPr>
+            <a:r>
+              <a:rPr lang="pt-BR" sz="2000" dirty="0"/>
               <a:t>	df_params_owsa &lt;-</a:t>
             </a:r>
           </a:p>
@@ -19612,7 +19643,7 @@
               <a:buNone/>
             </a:pPr>
             <a:r>
-              <a:rPr lang="pt-BR" sz="1800" dirty="0"/>
+              <a:rPr lang="pt-BR" sz="2000" dirty="0"/>
               <a:t>		pars        min      max</a:t>
             </a:r>
           </a:p>
@@ -19621,8 +19652,8 @@
               <a:buNone/>
             </a:pPr>
             <a:r>
-              <a:rPr lang="pt-BR" sz="1800" dirty="0"/>
-              <a:t>		p_S1S2    0.05 0.16</a:t>
+              <a:rPr lang="pt-BR" sz="2000" dirty="0"/>
+              <a:t>		p_S1S2    0.05    0.16</a:t>
             </a:r>
           </a:p>
           <a:p>
@@ -19630,8 +19661,8 @@
               <a:buNone/>
             </a:pPr>
             <a:r>
-              <a:rPr lang="pt-BR" sz="1800" dirty="0"/>
-              <a:t>		c_trt       6000  18000</a:t>
+              <a:rPr lang="pt-BR" sz="2000" dirty="0"/>
+              <a:t>		c_trt        6000  18000</a:t>
             </a:r>
           </a:p>
           <a:p>
@@ -19639,8 +19670,8 @@
               <a:buNone/>
             </a:pPr>
             <a:r>
-              <a:rPr lang="pt-BR" sz="1800" dirty="0"/>
-              <a:t>		u_S1        0.65 0.85</a:t>
+              <a:rPr lang="pt-BR" sz="2000" dirty="0"/>
+              <a:t>		u_S1        0.65    0.85</a:t>
             </a:r>
           </a:p>
           <a:p>
@@ -19648,10 +19679,10 @@
               <a:buNone/>
             </a:pPr>
             <a:r>
-              <a:rPr lang="pt-BR" sz="1800" dirty="0"/>
-              <a:t>		u_trt        0.80 0.98</a:t>
+              <a:rPr lang="pt-BR" sz="2000" dirty="0"/>
+              <a:t>		u_trt         0.80    0.98</a:t>
             </a:r>
-            <a:endParaRPr lang="en-US" sz="1800" dirty="0"/>
+            <a:endParaRPr lang="en-US" sz="2000" dirty="0"/>
           </a:p>
         </p:txBody>
       </p:sp>
@@ -20031,7 +20062,7 @@
           <a:lstStyle/>
           <a:p>
             <a:r>
-              <a:rPr lang="en-US" dirty="0"/>
+              <a:rPr lang="en-US" sz="2400" dirty="0"/>
               <a:t>Run one-way sensitivity analysis </a:t>
             </a:r>
           </a:p>
@@ -20090,7 +20121,7 @@
         <p:spPr>
           <a:xfrm>
             <a:off x="1178868" y="2586727"/>
-            <a:ext cx="7965132" cy="1815882"/>
+            <a:ext cx="7965132" cy="2862322"/>
           </a:xfrm>
           <a:prstGeom prst="rect">
             <a:avLst/>
@@ -20104,112 +20135,196 @@
           <a:lstStyle/>
           <a:p>
             <a:r>
-              <a:rPr lang="en-US" sz="1600" dirty="0" err="1"/>
+              <a:rPr lang="en-US" sz="2000" dirty="0" err="1">
+                <a:solidFill>
+                  <a:srgbClr val="0070C0"/>
+                </a:solidFill>
+              </a:rPr>
               <a:t>run_owsa_det</a:t>
             </a:r>
             <a:r>
-              <a:rPr lang="en-US" sz="1600" dirty="0"/>
+              <a:rPr lang="en-US" sz="2000" dirty="0"/>
               <a:t>(</a:t>
             </a:r>
+          </a:p>
+          <a:p>
             <a:r>
-              <a:rPr lang="en-US" sz="1600" dirty="0" err="1"/>
+              <a:rPr lang="en-US" sz="2000" dirty="0"/>
+              <a:t>	     </a:t>
+            </a:r>
+            <a:r>
+              <a:rPr lang="en-US" sz="2000" dirty="0" err="1">
+                <a:solidFill>
+                  <a:schemeClr val="accent2"/>
+                </a:solidFill>
+              </a:rPr>
               <a:t>params_range</a:t>
             </a:r>
             <a:r>
-              <a:rPr lang="en-US" sz="1600" dirty="0"/>
-              <a:t>        = </a:t>
+              <a:rPr lang="en-US" sz="2000" dirty="0">
+                <a:solidFill>
+                  <a:schemeClr val="accent2"/>
+                </a:solidFill>
+              </a:rPr>
+              <a:t>            </a:t>
             </a:r>
             <a:r>
-              <a:rPr lang="en-US" sz="1600" dirty="0" err="1"/>
+              <a:rPr lang="en-US" sz="2000" dirty="0"/>
+              <a:t>= </a:t>
+            </a:r>
+            <a:r>
+              <a:rPr lang="en-US" sz="2000" dirty="0" err="1"/>
               <a:t>df_params_owsa</a:t>
             </a:r>
             <a:r>
-              <a:rPr lang="en-US" sz="1600" dirty="0"/>
+              <a:rPr lang="en-US" sz="2000" dirty="0"/>
               <a:t>, </a:t>
             </a:r>
           </a:p>
           <a:p>
             <a:r>
-              <a:rPr lang="en-US" sz="1600" dirty="0"/>
+              <a:rPr lang="en-US" sz="2000" dirty="0"/>
               <a:t>	      </a:t>
             </a:r>
             <a:r>
-              <a:rPr lang="en-US" sz="1600" dirty="0" err="1"/>
+              <a:rPr lang="en-US" sz="2000" dirty="0" err="1">
+                <a:solidFill>
+                  <a:schemeClr val="accent2"/>
+                </a:solidFill>
+              </a:rPr>
               <a:t>params_basecase</a:t>
             </a:r>
             <a:r>
-              <a:rPr lang="en-US" sz="1600" dirty="0"/>
-              <a:t>   = </a:t>
+              <a:rPr lang="en-US" sz="2000" dirty="0">
+                <a:solidFill>
+                  <a:schemeClr val="accent2"/>
+                </a:solidFill>
+              </a:rPr>
+              <a:t>     </a:t>
             </a:r>
             <a:r>
-              <a:rPr lang="en-US" sz="1600" dirty="0" err="1"/>
+              <a:rPr lang="en-US" sz="2000" dirty="0"/>
+              <a:t>= </a:t>
+            </a:r>
+            <a:r>
+              <a:rPr lang="en-US" sz="2000" dirty="0" err="1"/>
               <a:t>l_params_all</a:t>
             </a:r>
             <a:r>
-              <a:rPr lang="en-US" sz="1600" dirty="0"/>
+              <a:rPr lang="en-US" sz="2000" dirty="0"/>
               <a:t>, </a:t>
             </a:r>
           </a:p>
           <a:p>
             <a:r>
-              <a:rPr lang="en-US" sz="1600" dirty="0"/>
+              <a:rPr lang="en-US" sz="2000" dirty="0"/>
               <a:t>	      </a:t>
             </a:r>
             <a:r>
-              <a:rPr lang="en-US" sz="1600" dirty="0" err="1"/>
+              <a:rPr lang="en-US" sz="2000" dirty="0" err="1">
+                <a:solidFill>
+                  <a:schemeClr val="accent2"/>
+                </a:solidFill>
+              </a:rPr>
               <a:t>nsamp</a:t>
             </a:r>
             <a:r>
-              <a:rPr lang="en-US" sz="1600" dirty="0"/>
-              <a:t>  	       = 100,                    # number of parameter values</a:t>
+              <a:rPr lang="en-US" sz="2000" dirty="0"/>
+              <a:t>  	              = 100,                    </a:t>
             </a:r>
           </a:p>
           <a:p>
             <a:r>
-              <a:rPr lang="en-US" sz="1600" dirty="0"/>
-              <a:t>                         FUN                       = </a:t>
+              <a:rPr lang="en-US" sz="2000" dirty="0"/>
+              <a:t>                   </a:t>
             </a:r>
             <a:r>
-              <a:rPr lang="en-US" sz="1600" dirty="0" err="1"/>
+              <a:rPr lang="en-US" sz="2000" dirty="0">
+                <a:solidFill>
+                  <a:schemeClr val="accent2"/>
+                </a:solidFill>
+              </a:rPr>
+              <a:t>FUN</a:t>
+            </a:r>
+            <a:r>
+              <a:rPr lang="en-US" sz="2000" dirty="0"/>
+              <a:t>                           = </a:t>
+            </a:r>
+            <a:r>
+              <a:rPr lang="en-US" sz="2000" dirty="0" err="1"/>
               <a:t>calculate_ce_out</a:t>
             </a:r>
             <a:r>
-              <a:rPr lang="en-US" sz="1600" dirty="0"/>
+              <a:rPr lang="en-US" sz="2000" dirty="0"/>
               <a:t>,  </a:t>
             </a:r>
           </a:p>
           <a:p>
             <a:r>
-              <a:rPr lang="en-US" sz="1600" dirty="0"/>
-              <a:t>	      outcomes                   = "NMB",                 # output to do the OWSA on</a:t>
+              <a:rPr lang="en-US" sz="2000" dirty="0"/>
+              <a:t>	      </a:t>
+            </a:r>
+            <a:r>
+              <a:rPr lang="en-US" sz="2000" dirty="0">
+                <a:solidFill>
+                  <a:schemeClr val="accent2"/>
+                </a:solidFill>
+              </a:rPr>
+              <a:t>outcomes</a:t>
+            </a:r>
+            <a:r>
+              <a:rPr lang="en-US" sz="2000" dirty="0"/>
+              <a:t>                   = "NMB", </a:t>
             </a:r>
           </a:p>
           <a:p>
             <a:r>
-              <a:rPr lang="en-US" sz="1600" dirty="0"/>
-              <a:t>                         strategies                = </a:t>
+              <a:rPr lang="en-US" sz="2000" dirty="0"/>
+              <a:t>	      </a:t>
             </a:r>
             <a:r>
-              <a:rPr lang="en-US" sz="1600" dirty="0" err="1"/>
+              <a:rPr lang="en-US" sz="2000" dirty="0">
+                <a:solidFill>
+                  <a:schemeClr val="accent2"/>
+                </a:solidFill>
+              </a:rPr>
+              <a:t>strategies</a:t>
+            </a:r>
+            <a:r>
+              <a:rPr lang="en-US" sz="2000" dirty="0"/>
+              <a:t>                   = </a:t>
+            </a:r>
+            <a:r>
+              <a:rPr lang="en-US" sz="2000" dirty="0" err="1"/>
               <a:t>v_names_str</a:t>
             </a:r>
             <a:r>
-              <a:rPr lang="en-US" sz="1600" dirty="0"/>
-              <a:t>,      # names of the strategies</a:t>
+              <a:rPr lang="en-US" sz="2000" dirty="0"/>
+              <a:t>, </a:t>
             </a:r>
           </a:p>
           <a:p>
             <a:r>
-              <a:rPr lang="en-US" sz="1600" dirty="0"/>
-              <a:t>                          </a:t>
+              <a:rPr lang="en-US" sz="2000" dirty="0"/>
+              <a:t> 	      </a:t>
             </a:r>
             <a:r>
-              <a:rPr lang="en-US" sz="1600" dirty="0" err="1"/>
+              <a:rPr lang="en-US" sz="2000" dirty="0" err="1">
+                <a:solidFill>
+                  <a:schemeClr val="accent2"/>
+                </a:solidFill>
+              </a:rPr>
               <a:t>n_wtp</a:t>
             </a:r>
             <a:r>
-              <a:rPr lang="en-US" sz="1600" dirty="0"/>
-              <a:t>                     = 120000)</a:t>
+              <a:rPr lang="en-US" sz="2000" dirty="0"/>
+              <a:t>                         = 120000</a:t>
+            </a:r>
+          </a:p>
+          <a:p>
+            <a:r>
+              <a:rPr lang="en-US" sz="2000" dirty="0"/>
+              <a:t>		)</a:t>
             </a:r>
           </a:p>
         </p:txBody>
